--- a/Smartisan.pptx
+++ b/Smartisan.pptx
@@ -5,15 +5,14 @@
     <p:sldMasterId id="2147483648" r:id="rId1"/>
   </p:sldMasterIdLst>
   <p:sldIdLst>
-    <p:sldId id="285" r:id="rId3"/>
-    <p:sldId id="298" r:id="rId4"/>
-    <p:sldId id="308" r:id="rId5"/>
-    <p:sldId id="297" r:id="rId6"/>
-    <p:sldId id="302" r:id="rId7"/>
-    <p:sldId id="303" r:id="rId8"/>
-    <p:sldId id="299" r:id="rId9"/>
-    <p:sldId id="301" r:id="rId10"/>
-    <p:sldId id="307" r:id="rId11"/>
+    <p:sldId id="298" r:id="rId3"/>
+    <p:sldId id="308" r:id="rId4"/>
+    <p:sldId id="297" r:id="rId5"/>
+    <p:sldId id="302" r:id="rId6"/>
+    <p:sldId id="303" r:id="rId7"/>
+    <p:sldId id="299" r:id="rId8"/>
+    <p:sldId id="301" r:id="rId9"/>
+    <p:sldId id="307" r:id="rId10"/>
   </p:sldIdLst>
   <p:sldSz cx="12192000" cy="6858000"/>
   <p:notesSz cx="6858000" cy="9144000"/>
@@ -3566,203 +3565,6 @@
         </p:nvSpPr>
         <p:spPr>
           <a:xfrm>
-            <a:off x="2644458" y="2792641"/>
-            <a:ext cx="6903085" cy="972820"/>
-          </a:xfrm>
-          <a:prstGeom prst="rect">
-            <a:avLst/>
-          </a:prstGeom>
-        </p:spPr>
-        <p:txBody>
-          <a:bodyPr wrap="none">
-            <a:spAutoFit/>
-          </a:bodyPr>
-          <a:lstStyle/>
-          <a:p>
-            <a:pPr algn="ctr"/>
-            <a:r>
-              <a:rPr lang="en-US" altLang="zh-CN" sz="5400" b="1" smtClean="0">
-                <a:solidFill>
-                  <a:schemeClr val="bg1"/>
-                </a:solidFill>
-                <a:latin typeface="+mj-ea"/>
-                <a:ea typeface="+mj-ea"/>
-                <a:sym typeface="+mn-ea"/>
-              </a:rPr>
-              <a:t>H5  </a:t>
-            </a:r>
-            <a:r>
-              <a:rPr lang="en-US" altLang="zh-CN" sz="5400" b="1" smtClean="0">
-                <a:solidFill>
-                  <a:schemeClr val="bg1"/>
-                </a:solidFill>
-                <a:latin typeface="+mj-ea"/>
-                <a:ea typeface="+mj-ea"/>
-              </a:rPr>
-              <a:t>1608</a:t>
-            </a:r>
-            <a:r>
-              <a:rPr lang="zh-CN" altLang="en-US" sz="5400" b="1" smtClean="0">
-                <a:solidFill>
-                  <a:schemeClr val="bg1"/>
-                </a:solidFill>
-                <a:latin typeface="+mj-ea"/>
-                <a:ea typeface="+mj-ea"/>
-              </a:rPr>
-              <a:t>班</a:t>
-            </a:r>
-            <a:r>
-              <a:rPr lang="en-US" altLang="zh-CN" sz="5400" b="1" smtClean="0">
-                <a:solidFill>
-                  <a:schemeClr val="bg1"/>
-                </a:solidFill>
-                <a:latin typeface="+mj-ea"/>
-                <a:ea typeface="+mj-ea"/>
-              </a:rPr>
-              <a:t> </a:t>
-            </a:r>
-            <a:r>
-              <a:rPr lang="zh-CN" altLang="en-US" sz="5400" b="1" smtClean="0">
-                <a:solidFill>
-                  <a:schemeClr val="bg1"/>
-                </a:solidFill>
-                <a:latin typeface="+mj-ea"/>
-                <a:ea typeface="+mj-ea"/>
-              </a:rPr>
-              <a:t>项目展示</a:t>
-            </a:r>
-            <a:endParaRPr lang="zh-CN" altLang="en-US" sz="5400" b="1" smtClean="0">
-              <a:solidFill>
-                <a:schemeClr val="bg1"/>
-              </a:solidFill>
-              <a:latin typeface="+mj-ea"/>
-              <a:ea typeface="+mj-ea"/>
-            </a:endParaRPr>
-          </a:p>
-        </p:txBody>
-      </p:sp>
-      <p:sp>
-        <p:nvSpPr>
-          <p:cNvPr id="3" name="矩形 2"/>
-          <p:cNvSpPr/>
-          <p:nvPr/>
-        </p:nvSpPr>
-        <p:spPr>
-          <a:xfrm>
-            <a:off x="3919220" y="3765550"/>
-            <a:ext cx="4354195" cy="518160"/>
-          </a:xfrm>
-          <a:prstGeom prst="rect">
-            <a:avLst/>
-          </a:prstGeom>
-        </p:spPr>
-        <p:txBody>
-          <a:bodyPr wrap="square">
-            <a:spAutoFit/>
-          </a:bodyPr>
-          <a:lstStyle/>
-          <a:p>
-            <a:pPr algn="ctr"/>
-            <a:r>
-              <a:rPr lang="en-US" altLang="zh-CN" sz="2800">
-                <a:solidFill>
-                  <a:schemeClr val="bg1"/>
-                </a:solidFill>
-              </a:rPr>
-              <a:t>PROJECT FOR DISPLAY</a:t>
-            </a:r>
-            <a:endParaRPr lang="en-US" altLang="zh-CN" sz="2800">
-              <a:solidFill>
-                <a:schemeClr val="bg1"/>
-              </a:solidFill>
-            </a:endParaRPr>
-          </a:p>
-        </p:txBody>
-      </p:sp>
-      <p:sp>
-        <p:nvSpPr>
-          <p:cNvPr id="4" name="文本框 3"/>
-          <p:cNvSpPr txBox="1"/>
-          <p:nvPr/>
-        </p:nvSpPr>
-        <p:spPr>
-          <a:xfrm>
-            <a:off x="10549890" y="6202680"/>
-            <a:ext cx="1260475" cy="396240"/>
-          </a:xfrm>
-          <a:prstGeom prst="rect">
-            <a:avLst/>
-          </a:prstGeom>
-          <a:noFill/>
-        </p:spPr>
-        <p:txBody>
-          <a:bodyPr wrap="square" rtlCol="0">
-            <a:spAutoFit/>
-          </a:bodyPr>
-          <a:p>
-            <a:pPr algn="ctr"/>
-            <a:r>
-              <a:rPr lang="en-US" sz="2000" smtClean="0">
-                <a:solidFill>
-                  <a:schemeClr val="tx1">
-                    <a:lumMod val="50000"/>
-                    <a:lumOff val="50000"/>
-                  </a:schemeClr>
-                </a:solidFill>
-              </a:rPr>
-              <a:t>2016.10.9</a:t>
-            </a:r>
-            <a:endParaRPr lang="en-US" sz="2000">
-              <a:solidFill>
-                <a:schemeClr val="tx1">
-                  <a:lumMod val="50000"/>
-                  <a:lumOff val="50000"/>
-                </a:schemeClr>
-              </a:solidFill>
-            </a:endParaRPr>
-          </a:p>
-        </p:txBody>
-      </p:sp>
-    </p:spTree>
-  </p:cSld>
-  <p:clrMapOvr>
-    <a:masterClrMapping/>
-  </p:clrMapOvr>
-  <p:timing>
-    <p:tnLst>
-      <p:par>
-        <p:cTn id="1" dur="indefinite" restart="never" nodeType="tmRoot"/>
-      </p:par>
-    </p:tnLst>
-  </p:timing>
-</p:sld>
-</file>
-
-<file path=ppt/slides/slide2.xml><?xml version="1.0" encoding="utf-8"?>
-<p:sld xmlns:a="http://schemas.openxmlformats.org/drawingml/2006/main" xmlns:r="http://schemas.openxmlformats.org/officeDocument/2006/relationships" xmlns:p="http://schemas.openxmlformats.org/presentationml/2006/main">
-  <p:cSld>
-    <p:spTree>
-      <p:nvGrpSpPr>
-        <p:cNvPr id="1" name=""/>
-        <p:cNvGrpSpPr/>
-        <p:nvPr/>
-      </p:nvGrpSpPr>
-      <p:grpSpPr>
-        <a:xfrm>
-          <a:off x="0" y="0"/>
-          <a:ext cx="0" cy="0"/>
-          <a:chOff x="0" y="0"/>
-          <a:chExt cx="0" cy="0"/>
-        </a:xfrm>
-      </p:grpSpPr>
-      <p:sp>
-        <p:nvSpPr>
-          <p:cNvPr id="2" name="矩形 1"/>
-          <p:cNvSpPr/>
-          <p:nvPr/>
-        </p:nvSpPr>
-        <p:spPr>
-          <a:xfrm>
             <a:off x="1270" y="0"/>
             <a:ext cx="12191999" cy="6858000"/>
           </a:xfrm>
@@ -3975,7 +3777,7 @@
 </p:sld>
 </file>
 
-<file path=ppt/slides/slide3.xml><?xml version="1.0" encoding="utf-8"?>
+<file path=ppt/slides/slide2.xml><?xml version="1.0" encoding="utf-8"?>
 <p:sld xmlns:a="http://schemas.openxmlformats.org/drawingml/2006/main" xmlns:r="http://schemas.openxmlformats.org/officeDocument/2006/relationships" xmlns:p="http://schemas.openxmlformats.org/presentationml/2006/main">
   <p:cSld>
     <p:spTree>
@@ -4141,7 +3943,7 @@
 </p:sld>
 </file>
 
-<file path=ppt/slides/slide4.xml><?xml version="1.0" encoding="utf-8"?>
+<file path=ppt/slides/slide3.xml><?xml version="1.0" encoding="utf-8"?>
 <p:sld xmlns:a="http://schemas.openxmlformats.org/drawingml/2006/main" xmlns:r="http://schemas.openxmlformats.org/officeDocument/2006/relationships" xmlns:p="http://schemas.openxmlformats.org/presentationml/2006/main">
   <p:cSld>
     <p:spTree>
@@ -6251,6 +6053,126 @@
 </p:sld>
 </file>
 
+<file path=ppt/slides/slide4.xml><?xml version="1.0" encoding="utf-8"?>
+<p:sld xmlns:a="http://schemas.openxmlformats.org/drawingml/2006/main" xmlns:r="http://schemas.openxmlformats.org/officeDocument/2006/relationships" xmlns:p="http://schemas.openxmlformats.org/presentationml/2006/main">
+  <p:cSld>
+    <p:spTree>
+      <p:nvGrpSpPr>
+        <p:cNvPr id="1" name=""/>
+        <p:cNvGrpSpPr/>
+        <p:nvPr/>
+      </p:nvGrpSpPr>
+      <p:grpSpPr>
+        <a:xfrm>
+          <a:off x="0" y="0"/>
+          <a:ext cx="0" cy="0"/>
+          <a:chOff x="0" y="0"/>
+          <a:chExt cx="0" cy="0"/>
+        </a:xfrm>
+      </p:grpSpPr>
+      <p:sp>
+        <p:nvSpPr>
+          <p:cNvPr id="2" name="矩形 1"/>
+          <p:cNvSpPr/>
+          <p:nvPr/>
+        </p:nvSpPr>
+        <p:spPr>
+          <a:xfrm>
+            <a:off x="0" y="-8255"/>
+            <a:ext cx="12192000" cy="6873875"/>
+          </a:xfrm>
+          <a:prstGeom prst="rect">
+            <a:avLst/>
+          </a:prstGeom>
+          <a:blipFill dpi="0" rotWithShape="1">
+            <a:blip r:embed="rId1"/>
+            <a:srcRect/>
+            <a:tile tx="0" ty="0" sx="100000" sy="100000" flip="none" algn="tl"/>
+          </a:blipFill>
+          <a:ln>
+            <a:noFill/>
+          </a:ln>
+        </p:spPr>
+        <p:style>
+          <a:lnRef idx="2">
+            <a:schemeClr val="accent1">
+              <a:shade val="50000"/>
+            </a:schemeClr>
+          </a:lnRef>
+          <a:fillRef idx="1">
+            <a:schemeClr val="accent1"/>
+          </a:fillRef>
+          <a:effectRef idx="0">
+            <a:schemeClr val="accent1"/>
+          </a:effectRef>
+          <a:fontRef idx="minor">
+            <a:schemeClr val="lt1"/>
+          </a:fontRef>
+        </p:style>
+        <p:txBody>
+          <a:bodyPr rtlCol="0" anchor="ctr"/>
+          <a:lstStyle/>
+          <a:p>
+            <a:pPr algn="ctr"/>
+            <a:endParaRPr lang="zh-CN" altLang="en-US">
+              <a:solidFill>
+                <a:prstClr val="white"/>
+              </a:solidFill>
+            </a:endParaRPr>
+          </a:p>
+        </p:txBody>
+      </p:sp>
+      <p:pic>
+        <p:nvPicPr>
+          <p:cNvPr id="4" name="图片 3" descr="QQ截图20161009082709"/>
+          <p:cNvPicPr>
+            <a:picLocks noChangeAspect="1"/>
+          </p:cNvPicPr>
+          <p:nvPr/>
+        </p:nvPicPr>
+        <p:blipFill>
+          <a:blip r:embed="rId2"/>
+          <a:stretch>
+            <a:fillRect/>
+          </a:stretch>
+        </p:blipFill>
+        <p:spPr>
+          <a:xfrm>
+            <a:off x="0" y="-8255"/>
+            <a:ext cx="12192000" cy="7810500"/>
+          </a:xfrm>
+          <a:prstGeom prst="rect">
+            <a:avLst/>
+          </a:prstGeom>
+        </p:spPr>
+      </p:pic>
+    </p:spTree>
+  </p:cSld>
+  <p:clrMapOvr>
+    <a:masterClrMapping/>
+  </p:clrMapOvr>
+  <mc:AlternateContent xmlns:mc="http://schemas.openxmlformats.org/markup-compatibility/2006">
+    <mc:Choice xmlns:p14="http://schemas.microsoft.com/office/powerpoint/2010/main" Requires="p14">
+      <p:transition p14:dur="250">
+        <p:fade/>
+      </p:transition>
+    </mc:Choice>
+    <mc:Fallback>
+      <p:transition>
+        <p:fade/>
+      </p:transition>
+    </mc:Fallback>
+  </mc:AlternateContent>
+  <p:timing>
+    <p:tnLst>
+      <p:par>
+        <p:cTn id="1" dur="indefinite" restart="never" nodeType="tmRoot"/>
+      </p:par>
+    </p:tnLst>
+  </p:timing>
+</p:sld>
+</file>
+
 <file path=ppt/slides/slide5.xml><?xml version="1.0" encoding="utf-8"?>
 <p:sld xmlns:a="http://schemas.openxmlformats.org/drawingml/2006/main" xmlns:r="http://schemas.openxmlformats.org/officeDocument/2006/relationships" xmlns:p="http://schemas.openxmlformats.org/presentationml/2006/main">
   <p:cSld>
@@ -6276,7 +6198,7 @@
         </p:nvSpPr>
         <p:spPr>
           <a:xfrm>
-            <a:off x="0" y="-8255"/>
+            <a:off x="0" y="0"/>
             <a:ext cx="12192000" cy="6873875"/>
           </a:xfrm>
           <a:prstGeom prst="rect">
@@ -6322,7 +6244,7 @@
       </p:sp>
       <p:pic>
         <p:nvPicPr>
-          <p:cNvPr id="4" name="图片 3" descr="QQ截图20161009082709"/>
+          <p:cNvPr id="3" name="图片 2" descr="QQ截图20161009090547"/>
           <p:cNvPicPr>
             <a:picLocks noChangeAspect="1"/>
           </p:cNvPicPr>
@@ -6336,8 +6258,8 @@
         </p:blipFill>
         <p:spPr>
           <a:xfrm>
-            <a:off x="0" y="-8255"/>
-            <a:ext cx="12192000" cy="7810500"/>
+            <a:off x="0" y="0"/>
+            <a:ext cx="12192000" cy="7994650"/>
           </a:xfrm>
           <a:prstGeom prst="rect">
             <a:avLst/>
@@ -6396,7 +6318,7 @@
         </p:nvSpPr>
         <p:spPr>
           <a:xfrm>
-            <a:off x="0" y="0"/>
+            <a:off x="0" y="-7620"/>
             <a:ext cx="12192000" cy="6873875"/>
           </a:xfrm>
           <a:prstGeom prst="rect">
@@ -6440,30 +6362,285 @@
           </a:p>
         </p:txBody>
       </p:sp>
-      <p:pic>
-        <p:nvPicPr>
-          <p:cNvPr id="3" name="图片 2" descr="QQ截图20161009090547"/>
-          <p:cNvPicPr>
-            <a:picLocks noChangeAspect="1"/>
-          </p:cNvPicPr>
+      <p:sp>
+        <p:nvSpPr>
+          <p:cNvPr id="3" name="矩形 2"/>
+          <p:cNvSpPr/>
           <p:nvPr/>
-        </p:nvPicPr>
-        <p:blipFill>
-          <a:blip r:embed="rId2"/>
-          <a:stretch>
-            <a:fillRect/>
-          </a:stretch>
-        </p:blipFill>
-        <p:spPr>
-          <a:xfrm>
-            <a:off x="0" y="0"/>
-            <a:ext cx="12192000" cy="7994650"/>
-          </a:xfrm>
-          <a:prstGeom prst="rect">
-            <a:avLst/>
-          </a:prstGeom>
-        </p:spPr>
-      </p:pic>
+        </p:nvSpPr>
+        <p:spPr>
+          <a:xfrm>
+            <a:off x="970861" y="758038"/>
+            <a:ext cx="1402080" cy="874395"/>
+          </a:xfrm>
+          <a:prstGeom prst="rect">
+            <a:avLst/>
+          </a:prstGeom>
+        </p:spPr>
+        <p:txBody>
+          <a:bodyPr wrap="none">
+            <a:spAutoFit/>
+          </a:bodyPr>
+          <a:lstStyle/>
+          <a:p>
+            <a:r>
+              <a:rPr lang="zh-CN" altLang="en-US" sz="4800" b="1" dirty="0">
+                <a:solidFill>
+                  <a:prstClr val="white"/>
+                </a:solidFill>
+                <a:latin typeface="微软雅黑" panose="020B0503020204020204" pitchFamily="34" charset="-122"/>
+                <a:ea typeface="微软雅黑" panose="020B0503020204020204" pitchFamily="34" charset="-122"/>
+              </a:rPr>
+              <a:t>插件</a:t>
+            </a:r>
+            <a:endParaRPr lang="zh-CN" altLang="en-US" sz="4800" b="1" dirty="0">
+              <a:solidFill>
+                <a:prstClr val="white"/>
+              </a:solidFill>
+              <a:latin typeface="微软雅黑" panose="020B0503020204020204" pitchFamily="34" charset="-122"/>
+              <a:ea typeface="微软雅黑" panose="020B0503020204020204" pitchFamily="34" charset="-122"/>
+            </a:endParaRPr>
+          </a:p>
+        </p:txBody>
+      </p:sp>
+      <p:cxnSp>
+        <p:nvCxnSpPr>
+          <p:cNvPr id="11" name="直接连接符 10"/>
+          <p:cNvCxnSpPr/>
+          <p:nvPr/>
+        </p:nvCxnSpPr>
+        <p:spPr>
+          <a:xfrm>
+            <a:off x="784400" y="511901"/>
+            <a:ext cx="6028970" cy="0"/>
+          </a:xfrm>
+          <a:prstGeom prst="line">
+            <a:avLst/>
+          </a:prstGeom>
+          <a:ln>
+            <a:solidFill>
+              <a:schemeClr val="bg1">
+                <a:lumMod val="65000"/>
+              </a:schemeClr>
+            </a:solidFill>
+          </a:ln>
+        </p:spPr>
+        <p:style>
+          <a:lnRef idx="1">
+            <a:schemeClr val="accent1"/>
+          </a:lnRef>
+          <a:fillRef idx="0">
+            <a:schemeClr val="accent1"/>
+          </a:fillRef>
+          <a:effectRef idx="0">
+            <a:schemeClr val="accent1"/>
+          </a:effectRef>
+          <a:fontRef idx="minor">
+            <a:schemeClr val="tx1"/>
+          </a:fontRef>
+        </p:style>
+      </p:cxnSp>
+      <p:cxnSp>
+        <p:nvCxnSpPr>
+          <p:cNvPr id="13" name="直接连接符 12"/>
+          <p:cNvCxnSpPr/>
+          <p:nvPr/>
+        </p:nvCxnSpPr>
+        <p:spPr>
+          <a:xfrm>
+            <a:off x="784400" y="1939562"/>
+            <a:ext cx="6028970" cy="0"/>
+          </a:xfrm>
+          <a:prstGeom prst="line">
+            <a:avLst/>
+          </a:prstGeom>
+          <a:ln>
+            <a:solidFill>
+              <a:schemeClr val="bg1">
+                <a:lumMod val="65000"/>
+              </a:schemeClr>
+            </a:solidFill>
+          </a:ln>
+        </p:spPr>
+        <p:style>
+          <a:lnRef idx="1">
+            <a:schemeClr val="accent1"/>
+          </a:lnRef>
+          <a:fillRef idx="0">
+            <a:schemeClr val="accent1"/>
+          </a:fillRef>
+          <a:effectRef idx="0">
+            <a:schemeClr val="accent1"/>
+          </a:effectRef>
+          <a:fontRef idx="minor">
+            <a:schemeClr val="tx1"/>
+          </a:fontRef>
+        </p:style>
+      </p:cxnSp>
+      <p:sp>
+        <p:nvSpPr>
+          <p:cNvPr id="56" name="椭圆 55"/>
+          <p:cNvSpPr/>
+          <p:nvPr/>
+        </p:nvSpPr>
+        <p:spPr>
+          <a:xfrm>
+            <a:off x="1247276" y="2951814"/>
+            <a:ext cx="408370" cy="408370"/>
+          </a:xfrm>
+          <a:prstGeom prst="ellipse">
+            <a:avLst/>
+          </a:prstGeom>
+          <a:solidFill>
+            <a:srgbClr val="DD9B9D">
+              <a:alpha val="90980"/>
+            </a:srgbClr>
+          </a:solidFill>
+          <a:ln w="12700" cap="flat" cmpd="sng" algn="ctr">
+            <a:noFill/>
+            <a:prstDash val="solid"/>
+            <a:miter lim="800000"/>
+          </a:ln>
+          <a:effectLst/>
+        </p:spPr>
+        <p:txBody>
+          <a:bodyPr rtlCol="0" anchor="ctr"/>
+          <a:p>
+            <a:pPr algn="ctr"/>
+            <a:endParaRPr lang="zh-CN" altLang="en-US" kern="0">
+              <a:solidFill>
+                <a:prstClr val="white"/>
+              </a:solidFill>
+              <a:ea typeface="微软雅黑" panose="020B0503020204020204" pitchFamily="34" charset="-122"/>
+            </a:endParaRPr>
+          </a:p>
+        </p:txBody>
+      </p:sp>
+      <p:sp>
+        <p:nvSpPr>
+          <p:cNvPr id="83" name="矩形 82"/>
+          <p:cNvSpPr/>
+          <p:nvPr/>
+        </p:nvSpPr>
+        <p:spPr>
+          <a:xfrm>
+            <a:off x="2139950" y="2751455"/>
+            <a:ext cx="2668905" cy="808990"/>
+          </a:xfrm>
+          <a:prstGeom prst="rect">
+            <a:avLst/>
+          </a:prstGeom>
+        </p:spPr>
+        <p:txBody>
+          <a:bodyPr wrap="square">
+            <a:spAutoFit/>
+          </a:bodyPr>
+          <a:p>
+            <a:pPr algn="l"/>
+            <a:r>
+              <a:rPr lang="en-US" altLang="zh-CN" sz="4400" b="1" kern="0" dirty="0">
+                <a:solidFill>
+                  <a:srgbClr val="C45456"/>
+                </a:solidFill>
+                <a:latin typeface="微软雅黑" panose="020B0503020204020204" pitchFamily="34" charset="-122"/>
+                <a:ea typeface="微软雅黑" panose="020B0503020204020204" pitchFamily="34" charset="-122"/>
+                <a:cs typeface="Times New Roman" panose="02020603050405020304" charset="0"/>
+              </a:rPr>
+              <a:t>swiper</a:t>
+            </a:r>
+            <a:endParaRPr lang="en-US" altLang="zh-CN" sz="4400" b="1" kern="0" dirty="0">
+              <a:solidFill>
+                <a:srgbClr val="C45456"/>
+              </a:solidFill>
+              <a:latin typeface="微软雅黑" panose="020B0503020204020204" pitchFamily="34" charset="-122"/>
+              <a:ea typeface="微软雅黑" panose="020B0503020204020204" pitchFamily="34" charset="-122"/>
+              <a:cs typeface="Times New Roman" panose="02020603050405020304" charset="0"/>
+            </a:endParaRPr>
+          </a:p>
+        </p:txBody>
+      </p:sp>
+      <p:sp>
+        <p:nvSpPr>
+          <p:cNvPr id="4" name="椭圆 3"/>
+          <p:cNvSpPr/>
+          <p:nvPr/>
+        </p:nvSpPr>
+        <p:spPr>
+          <a:xfrm>
+            <a:off x="1247276" y="4158949"/>
+            <a:ext cx="408370" cy="408370"/>
+          </a:xfrm>
+          <a:prstGeom prst="ellipse">
+            <a:avLst/>
+          </a:prstGeom>
+          <a:solidFill>
+            <a:srgbClr val="DD9B9D">
+              <a:alpha val="90980"/>
+            </a:srgbClr>
+          </a:solidFill>
+          <a:ln w="12700" cap="flat" cmpd="sng" algn="ctr">
+            <a:noFill/>
+            <a:prstDash val="solid"/>
+            <a:miter lim="800000"/>
+          </a:ln>
+          <a:effectLst/>
+        </p:spPr>
+        <p:txBody>
+          <a:bodyPr rtlCol="0" anchor="ctr"/>
+          <a:p>
+            <a:pPr algn="ctr"/>
+            <a:endParaRPr lang="zh-CN" altLang="en-US" kern="0">
+              <a:solidFill>
+                <a:prstClr val="white"/>
+              </a:solidFill>
+              <a:ea typeface="微软雅黑" panose="020B0503020204020204" pitchFamily="34" charset="-122"/>
+            </a:endParaRPr>
+          </a:p>
+        </p:txBody>
+      </p:sp>
+      <p:sp>
+        <p:nvSpPr>
+          <p:cNvPr id="5" name="矩形 4"/>
+          <p:cNvSpPr/>
+          <p:nvPr/>
+        </p:nvSpPr>
+        <p:spPr>
+          <a:xfrm>
+            <a:off x="2139950" y="3958590"/>
+            <a:ext cx="2668905" cy="808990"/>
+          </a:xfrm>
+          <a:prstGeom prst="rect">
+            <a:avLst/>
+          </a:prstGeom>
+        </p:spPr>
+        <p:txBody>
+          <a:bodyPr wrap="square">
+            <a:spAutoFit/>
+          </a:bodyPr>
+          <a:p>
+            <a:pPr algn="l"/>
+            <a:r>
+              <a:rPr lang="en-US" altLang="zh-CN" sz="4400" b="1" kern="0" dirty="0">
+                <a:solidFill>
+                  <a:srgbClr val="C45456"/>
+                </a:solidFill>
+                <a:latin typeface="微软雅黑" panose="020B0503020204020204" pitchFamily="34" charset="-122"/>
+                <a:ea typeface="微软雅黑" panose="020B0503020204020204" pitchFamily="34" charset="-122"/>
+                <a:cs typeface="Times New Roman" panose="02020603050405020304" charset="0"/>
+              </a:rPr>
+              <a:t>cookie</a:t>
+            </a:r>
+            <a:endParaRPr lang="en-US" altLang="zh-CN" sz="4400" b="1" kern="0" dirty="0">
+              <a:solidFill>
+                <a:srgbClr val="C45456"/>
+              </a:solidFill>
+              <a:latin typeface="微软雅黑" panose="020B0503020204020204" pitchFamily="34" charset="-122"/>
+              <a:ea typeface="微软雅黑" panose="020B0503020204020204" pitchFamily="34" charset="-122"/>
+              <a:cs typeface="Times New Roman" panose="02020603050405020304" charset="0"/>
+            </a:endParaRPr>
+          </a:p>
+        </p:txBody>
+      </p:sp>
     </p:spTree>
   </p:cSld>
   <p:clrMapOvr>
@@ -6516,381 +6693,6 @@
         </p:nvSpPr>
         <p:spPr>
           <a:xfrm>
-            <a:off x="0" y="-7620"/>
-            <a:ext cx="12192000" cy="6873875"/>
-          </a:xfrm>
-          <a:prstGeom prst="rect">
-            <a:avLst/>
-          </a:prstGeom>
-          <a:blipFill dpi="0" rotWithShape="1">
-            <a:blip r:embed="rId1"/>
-            <a:srcRect/>
-            <a:tile tx="0" ty="0" sx="100000" sy="100000" flip="none" algn="tl"/>
-          </a:blipFill>
-          <a:ln>
-            <a:noFill/>
-          </a:ln>
-        </p:spPr>
-        <p:style>
-          <a:lnRef idx="2">
-            <a:schemeClr val="accent1">
-              <a:shade val="50000"/>
-            </a:schemeClr>
-          </a:lnRef>
-          <a:fillRef idx="1">
-            <a:schemeClr val="accent1"/>
-          </a:fillRef>
-          <a:effectRef idx="0">
-            <a:schemeClr val="accent1"/>
-          </a:effectRef>
-          <a:fontRef idx="minor">
-            <a:schemeClr val="lt1"/>
-          </a:fontRef>
-        </p:style>
-        <p:txBody>
-          <a:bodyPr rtlCol="0" anchor="ctr"/>
-          <a:lstStyle/>
-          <a:p>
-            <a:pPr algn="ctr"/>
-            <a:endParaRPr lang="zh-CN" altLang="en-US">
-              <a:solidFill>
-                <a:prstClr val="white"/>
-              </a:solidFill>
-            </a:endParaRPr>
-          </a:p>
-        </p:txBody>
-      </p:sp>
-      <p:sp>
-        <p:nvSpPr>
-          <p:cNvPr id="3" name="矩形 2"/>
-          <p:cNvSpPr/>
-          <p:nvPr/>
-        </p:nvSpPr>
-        <p:spPr>
-          <a:xfrm>
-            <a:off x="970861" y="758038"/>
-            <a:ext cx="1402080" cy="874395"/>
-          </a:xfrm>
-          <a:prstGeom prst="rect">
-            <a:avLst/>
-          </a:prstGeom>
-        </p:spPr>
-        <p:txBody>
-          <a:bodyPr wrap="none">
-            <a:spAutoFit/>
-          </a:bodyPr>
-          <a:lstStyle/>
-          <a:p>
-            <a:r>
-              <a:rPr lang="zh-CN" altLang="en-US" sz="4800" b="1" dirty="0">
-                <a:solidFill>
-                  <a:prstClr val="white"/>
-                </a:solidFill>
-                <a:latin typeface="微软雅黑" panose="020B0503020204020204" pitchFamily="34" charset="-122"/>
-                <a:ea typeface="微软雅黑" panose="020B0503020204020204" pitchFamily="34" charset="-122"/>
-              </a:rPr>
-              <a:t>插件</a:t>
-            </a:r>
-            <a:endParaRPr lang="zh-CN" altLang="en-US" sz="4800" b="1" dirty="0">
-              <a:solidFill>
-                <a:prstClr val="white"/>
-              </a:solidFill>
-              <a:latin typeface="微软雅黑" panose="020B0503020204020204" pitchFamily="34" charset="-122"/>
-              <a:ea typeface="微软雅黑" panose="020B0503020204020204" pitchFamily="34" charset="-122"/>
-            </a:endParaRPr>
-          </a:p>
-        </p:txBody>
-      </p:sp>
-      <p:cxnSp>
-        <p:nvCxnSpPr>
-          <p:cNvPr id="11" name="直接连接符 10"/>
-          <p:cNvCxnSpPr/>
-          <p:nvPr/>
-        </p:nvCxnSpPr>
-        <p:spPr>
-          <a:xfrm>
-            <a:off x="784400" y="511901"/>
-            <a:ext cx="6028970" cy="0"/>
-          </a:xfrm>
-          <a:prstGeom prst="line">
-            <a:avLst/>
-          </a:prstGeom>
-          <a:ln>
-            <a:solidFill>
-              <a:schemeClr val="bg1">
-                <a:lumMod val="65000"/>
-              </a:schemeClr>
-            </a:solidFill>
-          </a:ln>
-        </p:spPr>
-        <p:style>
-          <a:lnRef idx="1">
-            <a:schemeClr val="accent1"/>
-          </a:lnRef>
-          <a:fillRef idx="0">
-            <a:schemeClr val="accent1"/>
-          </a:fillRef>
-          <a:effectRef idx="0">
-            <a:schemeClr val="accent1"/>
-          </a:effectRef>
-          <a:fontRef idx="minor">
-            <a:schemeClr val="tx1"/>
-          </a:fontRef>
-        </p:style>
-      </p:cxnSp>
-      <p:cxnSp>
-        <p:nvCxnSpPr>
-          <p:cNvPr id="13" name="直接连接符 12"/>
-          <p:cNvCxnSpPr/>
-          <p:nvPr/>
-        </p:nvCxnSpPr>
-        <p:spPr>
-          <a:xfrm>
-            <a:off x="784400" y="1939562"/>
-            <a:ext cx="6028970" cy="0"/>
-          </a:xfrm>
-          <a:prstGeom prst="line">
-            <a:avLst/>
-          </a:prstGeom>
-          <a:ln>
-            <a:solidFill>
-              <a:schemeClr val="bg1">
-                <a:lumMod val="65000"/>
-              </a:schemeClr>
-            </a:solidFill>
-          </a:ln>
-        </p:spPr>
-        <p:style>
-          <a:lnRef idx="1">
-            <a:schemeClr val="accent1"/>
-          </a:lnRef>
-          <a:fillRef idx="0">
-            <a:schemeClr val="accent1"/>
-          </a:fillRef>
-          <a:effectRef idx="0">
-            <a:schemeClr val="accent1"/>
-          </a:effectRef>
-          <a:fontRef idx="minor">
-            <a:schemeClr val="tx1"/>
-          </a:fontRef>
-        </p:style>
-      </p:cxnSp>
-      <p:sp>
-        <p:nvSpPr>
-          <p:cNvPr id="56" name="椭圆 55"/>
-          <p:cNvSpPr/>
-          <p:nvPr/>
-        </p:nvSpPr>
-        <p:spPr>
-          <a:xfrm>
-            <a:off x="1247276" y="2951814"/>
-            <a:ext cx="408370" cy="408370"/>
-          </a:xfrm>
-          <a:prstGeom prst="ellipse">
-            <a:avLst/>
-          </a:prstGeom>
-          <a:solidFill>
-            <a:srgbClr val="DD9B9D">
-              <a:alpha val="90980"/>
-            </a:srgbClr>
-          </a:solidFill>
-          <a:ln w="12700" cap="flat" cmpd="sng" algn="ctr">
-            <a:noFill/>
-            <a:prstDash val="solid"/>
-            <a:miter lim="800000"/>
-          </a:ln>
-          <a:effectLst/>
-        </p:spPr>
-        <p:txBody>
-          <a:bodyPr rtlCol="0" anchor="ctr"/>
-          <a:p>
-            <a:pPr algn="ctr"/>
-            <a:endParaRPr lang="zh-CN" altLang="en-US" kern="0">
-              <a:solidFill>
-                <a:prstClr val="white"/>
-              </a:solidFill>
-              <a:ea typeface="微软雅黑" panose="020B0503020204020204" pitchFamily="34" charset="-122"/>
-            </a:endParaRPr>
-          </a:p>
-        </p:txBody>
-      </p:sp>
-      <p:sp>
-        <p:nvSpPr>
-          <p:cNvPr id="83" name="矩形 82"/>
-          <p:cNvSpPr/>
-          <p:nvPr/>
-        </p:nvSpPr>
-        <p:spPr>
-          <a:xfrm>
-            <a:off x="2139950" y="2751455"/>
-            <a:ext cx="2668905" cy="808990"/>
-          </a:xfrm>
-          <a:prstGeom prst="rect">
-            <a:avLst/>
-          </a:prstGeom>
-        </p:spPr>
-        <p:txBody>
-          <a:bodyPr wrap="square">
-            <a:spAutoFit/>
-          </a:bodyPr>
-          <a:p>
-            <a:pPr algn="l"/>
-            <a:r>
-              <a:rPr lang="en-US" altLang="zh-CN" sz="4400" b="1" kern="0" dirty="0">
-                <a:solidFill>
-                  <a:srgbClr val="C45456"/>
-                </a:solidFill>
-                <a:latin typeface="微软雅黑" panose="020B0503020204020204" pitchFamily="34" charset="-122"/>
-                <a:ea typeface="微软雅黑" panose="020B0503020204020204" pitchFamily="34" charset="-122"/>
-                <a:cs typeface="Times New Roman" panose="02020603050405020304" charset="0"/>
-              </a:rPr>
-              <a:t>swiper</a:t>
-            </a:r>
-            <a:endParaRPr lang="en-US" altLang="zh-CN" sz="4400" b="1" kern="0" dirty="0">
-              <a:solidFill>
-                <a:srgbClr val="C45456"/>
-              </a:solidFill>
-              <a:latin typeface="微软雅黑" panose="020B0503020204020204" pitchFamily="34" charset="-122"/>
-              <a:ea typeface="微软雅黑" panose="020B0503020204020204" pitchFamily="34" charset="-122"/>
-              <a:cs typeface="Times New Roman" panose="02020603050405020304" charset="0"/>
-            </a:endParaRPr>
-          </a:p>
-        </p:txBody>
-      </p:sp>
-      <p:sp>
-        <p:nvSpPr>
-          <p:cNvPr id="4" name="椭圆 3"/>
-          <p:cNvSpPr/>
-          <p:nvPr/>
-        </p:nvSpPr>
-        <p:spPr>
-          <a:xfrm>
-            <a:off x="1247276" y="4158949"/>
-            <a:ext cx="408370" cy="408370"/>
-          </a:xfrm>
-          <a:prstGeom prst="ellipse">
-            <a:avLst/>
-          </a:prstGeom>
-          <a:solidFill>
-            <a:srgbClr val="DD9B9D">
-              <a:alpha val="90980"/>
-            </a:srgbClr>
-          </a:solidFill>
-          <a:ln w="12700" cap="flat" cmpd="sng" algn="ctr">
-            <a:noFill/>
-            <a:prstDash val="solid"/>
-            <a:miter lim="800000"/>
-          </a:ln>
-          <a:effectLst/>
-        </p:spPr>
-        <p:txBody>
-          <a:bodyPr rtlCol="0" anchor="ctr"/>
-          <a:p>
-            <a:pPr algn="ctr"/>
-            <a:endParaRPr lang="zh-CN" altLang="en-US" kern="0">
-              <a:solidFill>
-                <a:prstClr val="white"/>
-              </a:solidFill>
-              <a:ea typeface="微软雅黑" panose="020B0503020204020204" pitchFamily="34" charset="-122"/>
-            </a:endParaRPr>
-          </a:p>
-        </p:txBody>
-      </p:sp>
-      <p:sp>
-        <p:nvSpPr>
-          <p:cNvPr id="5" name="矩形 4"/>
-          <p:cNvSpPr/>
-          <p:nvPr/>
-        </p:nvSpPr>
-        <p:spPr>
-          <a:xfrm>
-            <a:off x="2139950" y="3958590"/>
-            <a:ext cx="2668905" cy="808990"/>
-          </a:xfrm>
-          <a:prstGeom prst="rect">
-            <a:avLst/>
-          </a:prstGeom>
-        </p:spPr>
-        <p:txBody>
-          <a:bodyPr wrap="square">
-            <a:spAutoFit/>
-          </a:bodyPr>
-          <a:p>
-            <a:pPr algn="l"/>
-            <a:r>
-              <a:rPr lang="en-US" altLang="zh-CN" sz="4400" b="1" kern="0" dirty="0">
-                <a:solidFill>
-                  <a:srgbClr val="C45456"/>
-                </a:solidFill>
-                <a:latin typeface="微软雅黑" panose="020B0503020204020204" pitchFamily="34" charset="-122"/>
-                <a:ea typeface="微软雅黑" panose="020B0503020204020204" pitchFamily="34" charset="-122"/>
-                <a:cs typeface="Times New Roman" panose="02020603050405020304" charset="0"/>
-              </a:rPr>
-              <a:t>cookie</a:t>
-            </a:r>
-            <a:endParaRPr lang="en-US" altLang="zh-CN" sz="4400" b="1" kern="0" dirty="0">
-              <a:solidFill>
-                <a:srgbClr val="C45456"/>
-              </a:solidFill>
-              <a:latin typeface="微软雅黑" panose="020B0503020204020204" pitchFamily="34" charset="-122"/>
-              <a:ea typeface="微软雅黑" panose="020B0503020204020204" pitchFamily="34" charset="-122"/>
-              <a:cs typeface="Times New Roman" panose="02020603050405020304" charset="0"/>
-            </a:endParaRPr>
-          </a:p>
-        </p:txBody>
-      </p:sp>
-    </p:spTree>
-  </p:cSld>
-  <p:clrMapOvr>
-    <a:masterClrMapping/>
-  </p:clrMapOvr>
-  <mc:AlternateContent xmlns:mc="http://schemas.openxmlformats.org/markup-compatibility/2006">
-    <mc:Choice xmlns:p14="http://schemas.microsoft.com/office/powerpoint/2010/main" Requires="p14">
-      <p:transition p14:dur="250">
-        <p:fade/>
-      </p:transition>
-    </mc:Choice>
-    <mc:Fallback>
-      <p:transition>
-        <p:fade/>
-      </p:transition>
-    </mc:Fallback>
-  </mc:AlternateContent>
-  <p:timing>
-    <p:tnLst>
-      <p:par>
-        <p:cTn id="1" dur="indefinite" restart="never" nodeType="tmRoot"/>
-      </p:par>
-    </p:tnLst>
-  </p:timing>
-</p:sld>
-</file>
-
-<file path=ppt/slides/slide8.xml><?xml version="1.0" encoding="utf-8"?>
-<p:sld xmlns:a="http://schemas.openxmlformats.org/drawingml/2006/main" xmlns:r="http://schemas.openxmlformats.org/officeDocument/2006/relationships" xmlns:p="http://schemas.openxmlformats.org/presentationml/2006/main">
-  <p:cSld>
-    <p:spTree>
-      <p:nvGrpSpPr>
-        <p:cNvPr id="1" name=""/>
-        <p:cNvGrpSpPr/>
-        <p:nvPr/>
-      </p:nvGrpSpPr>
-      <p:grpSpPr>
-        <a:xfrm>
-          <a:off x="0" y="0"/>
-          <a:ext cx="0" cy="0"/>
-          <a:chOff x="0" y="0"/>
-          <a:chExt cx="0" cy="0"/>
-        </a:xfrm>
-      </p:grpSpPr>
-      <p:sp>
-        <p:nvSpPr>
-          <p:cNvPr id="2" name="矩形 1"/>
-          <p:cNvSpPr/>
-          <p:nvPr/>
-        </p:nvSpPr>
-        <p:spPr>
-          <a:xfrm>
             <a:off x="0" y="0"/>
             <a:ext cx="12192000" cy="6873875"/>
           </a:xfrm>
@@ -7215,7 +7017,7 @@
 </p:sld>
 </file>
 
-<file path=ppt/slides/slide9.xml><?xml version="1.0" encoding="utf-8"?>
+<file path=ppt/slides/slide8.xml><?xml version="1.0" encoding="utf-8"?>
 <p:sld xmlns:a="http://schemas.openxmlformats.org/drawingml/2006/main" xmlns:r="http://schemas.openxmlformats.org/officeDocument/2006/relationships" xmlns:p="http://schemas.openxmlformats.org/presentationml/2006/main">
   <p:cSld>
     <p:spTree>
